--- a/doc/テストコードによるC#プログラミング演習.pptx
+++ b/doc/テストコードによるC#プログラミング演習.pptx
@@ -3736,29 +3736,29 @@
     </dgm:pt>
   </dgm:ptLst>
   <dgm:cxnLst>
-    <dgm:cxn modelId="{7E02FE05-1198-40FD-9E1C-9BD43AE12171}" srcId="{DF370D88-93EE-4031-91E1-1FE9A5E4F30C}" destId="{F3FC9D23-440C-419D-8599-87ADEC372549}" srcOrd="1" destOrd="0" parTransId="{D8F61198-3759-400B-A875-A16D34E33BB2}" sibTransId="{CD4FEEF4-A123-4AC0-A99A-CA5BC1FEB492}"/>
-    <dgm:cxn modelId="{3BF00A3E-DADE-4035-A2D1-5CE438DD8F1A}" srcId="{CD575468-C409-4F91-A357-A6B91CA07578}" destId="{290635CF-BCB3-4AAB-93DA-E2DC62F0F3E8}" srcOrd="1" destOrd="0" parTransId="{E56B286B-2AE6-4E48-A3A5-AE6E33A10898}" sibTransId="{FA5FF1FE-2509-4A2D-9981-DD135488E43A}"/>
-    <dgm:cxn modelId="{60AEC1AB-1389-4C7F-89F0-AA7B1279263C}" srcId="{DF370D88-93EE-4031-91E1-1FE9A5E4F30C}" destId="{C628DB1E-C33D-40EF-BAF2-26F004EC0AE7}" srcOrd="3" destOrd="0" parTransId="{C9CC6803-9EDA-4D4D-8F07-1140E0BAB547}" sibTransId="{4679E8B7-F9EF-4ED6-B2D5-477946AF1D7A}"/>
-    <dgm:cxn modelId="{8C688C0A-30E9-4485-BFED-55B4A962211D}" type="presOf" srcId="{290635CF-BCB3-4AAB-93DA-E2DC62F0F3E8}" destId="{6B9680BC-BC4D-4727-B178-E12F6C79780D}" srcOrd="0" destOrd="1" presId="urn:microsoft.com/office/officeart/2005/8/layout/vList5"/>
-    <dgm:cxn modelId="{9DFCBEAB-A383-400B-B22F-ACA1A18FA298}" srcId="{16C62228-A7FC-4246-A81D-16AE45366837}" destId="{1E855826-824A-40B2-BC00-05290C028438}" srcOrd="2" destOrd="0" parTransId="{B54C8879-5CD4-46FD-BCC8-FB4B2148DB32}" sibTransId="{21AFAE6A-6A26-4272-AEE0-73203D59F0B3}"/>
-    <dgm:cxn modelId="{C8C055C9-CAEC-4357-9EFE-C4742B26EAC9}" type="presOf" srcId="{64D0CD20-13F1-47F4-AD5B-E0F6001619EC}" destId="{6B9680BC-BC4D-4727-B178-E12F6C79780D}" srcOrd="0" destOrd="0" presId="urn:microsoft.com/office/officeart/2005/8/layout/vList5"/>
-    <dgm:cxn modelId="{51534804-338A-45DB-A13D-C73458B8EA6E}" type="presOf" srcId="{DF370D88-93EE-4031-91E1-1FE9A5E4F30C}" destId="{453C4072-F0C7-4AF7-A216-CDE675D92589}" srcOrd="0" destOrd="0" presId="urn:microsoft.com/office/officeart/2005/8/layout/vList5"/>
-    <dgm:cxn modelId="{1D724BCB-525B-44E1-A992-D1DBB03AFC03}" type="presOf" srcId="{16C62228-A7FC-4246-A81D-16AE45366837}" destId="{DD9B149D-1021-4214-A553-92806DD1FB8C}" srcOrd="0" destOrd="0" presId="urn:microsoft.com/office/officeart/2005/8/layout/vList5"/>
-    <dgm:cxn modelId="{040D4A40-0487-41DE-B164-B12D952C88D0}" type="presOf" srcId="{F3FC9D23-440C-419D-8599-87ADEC372549}" destId="{B321A9EC-BE9D-4ECA-973E-F8811653C835}" srcOrd="0" destOrd="1" presId="urn:microsoft.com/office/officeart/2005/8/layout/vList5"/>
-    <dgm:cxn modelId="{BDC9DE0E-79BE-4197-8F46-94C8BFFD76C9}" srcId="{16C62228-A7FC-4246-A81D-16AE45366837}" destId="{CD575468-C409-4F91-A357-A6B91CA07578}" srcOrd="0" destOrd="0" parTransId="{24912BDE-0F5E-424D-8824-1532AB6F7B81}" sibTransId="{1E106CDF-0FEC-4059-AA0B-BF77D0BC9FDB}"/>
-    <dgm:cxn modelId="{2F835023-B84C-4EB3-B730-EAF1D909595F}" type="presOf" srcId="{CD575468-C409-4F91-A357-A6B91CA07578}" destId="{71EE9DBD-5F32-4EF4-9217-4B313120E067}" srcOrd="0" destOrd="0" presId="urn:microsoft.com/office/officeart/2005/8/layout/vList5"/>
-    <dgm:cxn modelId="{5BA54BF1-3AB0-42D6-93AD-6C8A2A3469AA}" srcId="{DF370D88-93EE-4031-91E1-1FE9A5E4F30C}" destId="{4CA6CCD6-F28D-4C6C-89A7-11C258301306}" srcOrd="2" destOrd="0" parTransId="{0B881EB7-DF3C-498D-912D-DCE94E567680}" sibTransId="{B550E3BF-4256-4774-8D1E-1349794C56E6}"/>
-    <dgm:cxn modelId="{909F7A64-4D6E-457B-9431-04B9ABA7D4D2}" srcId="{1E855826-824A-40B2-BC00-05290C028438}" destId="{7A41E4D0-0C71-4FCF-9CB7-3E9AF62CF0DA}" srcOrd="1" destOrd="0" parTransId="{ABBDC0BE-9DB5-4D97-A14D-B2FA6BABA6EC}" sibTransId="{129A84F5-4292-46A7-B71C-1C3D9F3EF7B9}"/>
-    <dgm:cxn modelId="{C1068FCA-1052-46CC-8F94-A8CE541E44FD}" type="presOf" srcId="{1E855826-824A-40B2-BC00-05290C028438}" destId="{BF671332-28A4-4DD7-8780-32F8314906A2}" srcOrd="0" destOrd="0" presId="urn:microsoft.com/office/officeart/2005/8/layout/vList5"/>
-    <dgm:cxn modelId="{7897654B-3799-408E-88AA-F41993377DA6}" srcId="{DF370D88-93EE-4031-91E1-1FE9A5E4F30C}" destId="{62B8056E-3950-40D3-98DB-CBCAD39A2AA9}" srcOrd="0" destOrd="0" parTransId="{BE3211C8-424F-4B5D-9C7B-9D473543BC9F}" sibTransId="{FA58D263-D3CA-4672-A851-4FA474B00D74}"/>
-    <dgm:cxn modelId="{5E1DC751-5238-4249-A497-7FDEFE80154F}" type="presOf" srcId="{62B8056E-3950-40D3-98DB-CBCAD39A2AA9}" destId="{B321A9EC-BE9D-4ECA-973E-F8811653C835}" srcOrd="0" destOrd="0" presId="urn:microsoft.com/office/officeart/2005/8/layout/vList5"/>
-    <dgm:cxn modelId="{131C78E6-513C-4D12-A849-FE72A04BF315}" type="presOf" srcId="{5D3FDA5C-D04D-4A2F-81D6-F910DA489DD1}" destId="{B8CD72AD-8173-476B-953B-C6C7C5D56E20}" srcOrd="0" destOrd="0" presId="urn:microsoft.com/office/officeart/2005/8/layout/vList5"/>
     <dgm:cxn modelId="{35EC4123-F740-490D-822D-06FBDD022D98}" srcId="{16C62228-A7FC-4246-A81D-16AE45366837}" destId="{DF370D88-93EE-4031-91E1-1FE9A5E4F30C}" srcOrd="1" destOrd="0" parTransId="{433F36D3-0D3B-4E00-AFBA-B4B4A57256AA}" sibTransId="{692CA514-3508-48DC-BC9B-997AB13C47DB}"/>
     <dgm:cxn modelId="{497684F4-C9AF-4A08-9E22-84D3055723CF}" type="presOf" srcId="{4CA6CCD6-F28D-4C6C-89A7-11C258301306}" destId="{B321A9EC-BE9D-4ECA-973E-F8811653C835}" srcOrd="0" destOrd="2" presId="urn:microsoft.com/office/officeart/2005/8/layout/vList5"/>
+    <dgm:cxn modelId="{C1068FCA-1052-46CC-8F94-A8CE541E44FD}" type="presOf" srcId="{1E855826-824A-40B2-BC00-05290C028438}" destId="{BF671332-28A4-4DD7-8780-32F8314906A2}" srcOrd="0" destOrd="0" presId="urn:microsoft.com/office/officeart/2005/8/layout/vList5"/>
+    <dgm:cxn modelId="{EA9497A2-A708-4402-8836-E370E77F8DCA}" srcId="{1E855826-824A-40B2-BC00-05290C028438}" destId="{5D3FDA5C-D04D-4A2F-81D6-F910DA489DD1}" srcOrd="0" destOrd="0" parTransId="{D9F3DB4F-1BD9-4B21-950F-F5DA7058341E}" sibTransId="{E5EA2BE4-9E43-43C7-A05F-8F5F81DCC3F6}"/>
+    <dgm:cxn modelId="{469F7ED9-9A44-4819-A813-9C2CA22B085D}" type="presOf" srcId="{7A41E4D0-0C71-4FCF-9CB7-3E9AF62CF0DA}" destId="{B8CD72AD-8173-476B-953B-C6C7C5D56E20}" srcOrd="0" destOrd="1" presId="urn:microsoft.com/office/officeart/2005/8/layout/vList5"/>
+    <dgm:cxn modelId="{8C688C0A-30E9-4485-BFED-55B4A962211D}" type="presOf" srcId="{290635CF-BCB3-4AAB-93DA-E2DC62F0F3E8}" destId="{6B9680BC-BC4D-4727-B178-E12F6C79780D}" srcOrd="0" destOrd="1" presId="urn:microsoft.com/office/officeart/2005/8/layout/vList5"/>
+    <dgm:cxn modelId="{51534804-338A-45DB-A13D-C73458B8EA6E}" type="presOf" srcId="{DF370D88-93EE-4031-91E1-1FE9A5E4F30C}" destId="{453C4072-F0C7-4AF7-A216-CDE675D92589}" srcOrd="0" destOrd="0" presId="urn:microsoft.com/office/officeart/2005/8/layout/vList5"/>
+    <dgm:cxn modelId="{040D4A40-0487-41DE-B164-B12D952C88D0}" type="presOf" srcId="{F3FC9D23-440C-419D-8599-87ADEC372549}" destId="{B321A9EC-BE9D-4ECA-973E-F8811653C835}" srcOrd="0" destOrd="1" presId="urn:microsoft.com/office/officeart/2005/8/layout/vList5"/>
+    <dgm:cxn modelId="{131C78E6-513C-4D12-A849-FE72A04BF315}" type="presOf" srcId="{5D3FDA5C-D04D-4A2F-81D6-F910DA489DD1}" destId="{B8CD72AD-8173-476B-953B-C6C7C5D56E20}" srcOrd="0" destOrd="0" presId="urn:microsoft.com/office/officeart/2005/8/layout/vList5"/>
+    <dgm:cxn modelId="{1D724BCB-525B-44E1-A992-D1DBB03AFC03}" type="presOf" srcId="{16C62228-A7FC-4246-A81D-16AE45366837}" destId="{DD9B149D-1021-4214-A553-92806DD1FB8C}" srcOrd="0" destOrd="0" presId="urn:microsoft.com/office/officeart/2005/8/layout/vList5"/>
+    <dgm:cxn modelId="{3BF00A3E-DADE-4035-A2D1-5CE438DD8F1A}" srcId="{CD575468-C409-4F91-A357-A6B91CA07578}" destId="{290635CF-BCB3-4AAB-93DA-E2DC62F0F3E8}" srcOrd="1" destOrd="0" parTransId="{E56B286B-2AE6-4E48-A3A5-AE6E33A10898}" sibTransId="{FA5FF1FE-2509-4A2D-9981-DD135488E43A}"/>
+    <dgm:cxn modelId="{BDC9DE0E-79BE-4197-8F46-94C8BFFD76C9}" srcId="{16C62228-A7FC-4246-A81D-16AE45366837}" destId="{CD575468-C409-4F91-A357-A6B91CA07578}" srcOrd="0" destOrd="0" parTransId="{24912BDE-0F5E-424D-8824-1532AB6F7B81}" sibTransId="{1E106CDF-0FEC-4059-AA0B-BF77D0BC9FDB}"/>
+    <dgm:cxn modelId="{9DFCBEAB-A383-400B-B22F-ACA1A18FA298}" srcId="{16C62228-A7FC-4246-A81D-16AE45366837}" destId="{1E855826-824A-40B2-BC00-05290C028438}" srcOrd="2" destOrd="0" parTransId="{B54C8879-5CD4-46FD-BCC8-FB4B2148DB32}" sibTransId="{21AFAE6A-6A26-4272-AEE0-73203D59F0B3}"/>
+    <dgm:cxn modelId="{909F7A64-4D6E-457B-9431-04B9ABA7D4D2}" srcId="{1E855826-824A-40B2-BC00-05290C028438}" destId="{7A41E4D0-0C71-4FCF-9CB7-3E9AF62CF0DA}" srcOrd="1" destOrd="0" parTransId="{ABBDC0BE-9DB5-4D97-A14D-B2FA6BABA6EC}" sibTransId="{129A84F5-4292-46A7-B71C-1C3D9F3EF7B9}"/>
+    <dgm:cxn modelId="{60AEC1AB-1389-4C7F-89F0-AA7B1279263C}" srcId="{DF370D88-93EE-4031-91E1-1FE9A5E4F30C}" destId="{C628DB1E-C33D-40EF-BAF2-26F004EC0AE7}" srcOrd="3" destOrd="0" parTransId="{C9CC6803-9EDA-4D4D-8F07-1140E0BAB547}" sibTransId="{4679E8B7-F9EF-4ED6-B2D5-477946AF1D7A}"/>
+    <dgm:cxn modelId="{5E1DC751-5238-4249-A497-7FDEFE80154F}" type="presOf" srcId="{62B8056E-3950-40D3-98DB-CBCAD39A2AA9}" destId="{B321A9EC-BE9D-4ECA-973E-F8811653C835}" srcOrd="0" destOrd="0" presId="urn:microsoft.com/office/officeart/2005/8/layout/vList5"/>
+    <dgm:cxn modelId="{1694321B-1D40-4DC6-8C73-BE2A5EED360F}" srcId="{CD575468-C409-4F91-A357-A6B91CA07578}" destId="{64D0CD20-13F1-47F4-AD5B-E0F6001619EC}" srcOrd="0" destOrd="0" parTransId="{DE946C08-F1B0-46BD-9A50-3A503E2E493E}" sibTransId="{8759850A-3AB5-4819-8465-9C2141BD4109}"/>
     <dgm:cxn modelId="{5137EACD-0457-4F4A-AED9-F6220B078265}" type="presOf" srcId="{C628DB1E-C33D-40EF-BAF2-26F004EC0AE7}" destId="{B321A9EC-BE9D-4ECA-973E-F8811653C835}" srcOrd="0" destOrd="3" presId="urn:microsoft.com/office/officeart/2005/8/layout/vList5"/>
-    <dgm:cxn modelId="{469F7ED9-9A44-4819-A813-9C2CA22B085D}" type="presOf" srcId="{7A41E4D0-0C71-4FCF-9CB7-3E9AF62CF0DA}" destId="{B8CD72AD-8173-476B-953B-C6C7C5D56E20}" srcOrd="0" destOrd="1" presId="urn:microsoft.com/office/officeart/2005/8/layout/vList5"/>
-    <dgm:cxn modelId="{1694321B-1D40-4DC6-8C73-BE2A5EED360F}" srcId="{CD575468-C409-4F91-A357-A6B91CA07578}" destId="{64D0CD20-13F1-47F4-AD5B-E0F6001619EC}" srcOrd="0" destOrd="0" parTransId="{DE946C08-F1B0-46BD-9A50-3A503E2E493E}" sibTransId="{8759850A-3AB5-4819-8465-9C2141BD4109}"/>
-    <dgm:cxn modelId="{EA9497A2-A708-4402-8836-E370E77F8DCA}" srcId="{1E855826-824A-40B2-BC00-05290C028438}" destId="{5D3FDA5C-D04D-4A2F-81D6-F910DA489DD1}" srcOrd="0" destOrd="0" parTransId="{D9F3DB4F-1BD9-4B21-950F-F5DA7058341E}" sibTransId="{E5EA2BE4-9E43-43C7-A05F-8F5F81DCC3F6}"/>
+    <dgm:cxn modelId="{C8C055C9-CAEC-4357-9EFE-C4742B26EAC9}" type="presOf" srcId="{64D0CD20-13F1-47F4-AD5B-E0F6001619EC}" destId="{6B9680BC-BC4D-4727-B178-E12F6C79780D}" srcOrd="0" destOrd="0" presId="urn:microsoft.com/office/officeart/2005/8/layout/vList5"/>
+    <dgm:cxn modelId="{5BA54BF1-3AB0-42D6-93AD-6C8A2A3469AA}" srcId="{DF370D88-93EE-4031-91E1-1FE9A5E4F30C}" destId="{4CA6CCD6-F28D-4C6C-89A7-11C258301306}" srcOrd="2" destOrd="0" parTransId="{0B881EB7-DF3C-498D-912D-DCE94E567680}" sibTransId="{B550E3BF-4256-4774-8D1E-1349794C56E6}"/>
+    <dgm:cxn modelId="{7E02FE05-1198-40FD-9E1C-9BD43AE12171}" srcId="{DF370D88-93EE-4031-91E1-1FE9A5E4F30C}" destId="{F3FC9D23-440C-419D-8599-87ADEC372549}" srcOrd="1" destOrd="0" parTransId="{D8F61198-3759-400B-A875-A16D34E33BB2}" sibTransId="{CD4FEEF4-A123-4AC0-A99A-CA5BC1FEB492}"/>
+    <dgm:cxn modelId="{2F835023-B84C-4EB3-B730-EAF1D909595F}" type="presOf" srcId="{CD575468-C409-4F91-A357-A6B91CA07578}" destId="{71EE9DBD-5F32-4EF4-9217-4B313120E067}" srcOrd="0" destOrd="0" presId="urn:microsoft.com/office/officeart/2005/8/layout/vList5"/>
+    <dgm:cxn modelId="{7897654B-3799-408E-88AA-F41993377DA6}" srcId="{DF370D88-93EE-4031-91E1-1FE9A5E4F30C}" destId="{62B8056E-3950-40D3-98DB-CBCAD39A2AA9}" srcOrd="0" destOrd="0" parTransId="{BE3211C8-424F-4B5D-9C7B-9D473543BC9F}" sibTransId="{FA58D263-D3CA-4672-A851-4FA474B00D74}"/>
     <dgm:cxn modelId="{DDDA2CF6-7A78-42A3-B479-A472CD4D3799}" type="presParOf" srcId="{DD9B149D-1021-4214-A553-92806DD1FB8C}" destId="{2D156A51-6FA9-4402-871E-5883718D5823}" srcOrd="0" destOrd="0" presId="urn:microsoft.com/office/officeart/2005/8/layout/vList5"/>
     <dgm:cxn modelId="{E8F6680F-3F87-47D0-AF51-1ADD81D59857}" type="presParOf" srcId="{2D156A51-6FA9-4402-871E-5883718D5823}" destId="{71EE9DBD-5F32-4EF4-9217-4B313120E067}" srcOrd="0" destOrd="0" presId="urn:microsoft.com/office/officeart/2005/8/layout/vList5"/>
     <dgm:cxn modelId="{F3EBC14D-0596-43EA-93FB-B62D27D57F09}" type="presParOf" srcId="{2D156A51-6FA9-4402-871E-5883718D5823}" destId="{6B9680BC-BC4D-4727-B178-E12F6C79780D}" srcOrd="1" destOrd="0" presId="urn:microsoft.com/office/officeart/2005/8/layout/vList5"/>
@@ -11047,7 +11047,7 @@
           <a:p>
             <a:fld id="{E27B3FCC-F9CE-4450-8760-7E90B11A1BC7}" type="datetimeFigureOut">
               <a:rPr kumimoji="1" lang="ja-JP" altLang="en-US" smtClean="0"/>
-              <a:t>2014/5/26</a:t>
+              <a:t>2014/6/2</a:t>
             </a:fld>
             <a:endParaRPr kumimoji="1" lang="ja-JP" altLang="en-US"/>
           </a:p>
@@ -11244,7 +11244,7 @@
           <a:p>
             <a:fld id="{E27B3FCC-F9CE-4450-8760-7E90B11A1BC7}" type="datetimeFigureOut">
               <a:rPr kumimoji="1" lang="ja-JP" altLang="en-US" smtClean="0"/>
-              <a:t>2014/5/26</a:t>
+              <a:t>2014/6/2</a:t>
             </a:fld>
             <a:endParaRPr kumimoji="1" lang="ja-JP" altLang="en-US"/>
           </a:p>
@@ -11451,7 +11451,7 @@
           <a:p>
             <a:fld id="{E27B3FCC-F9CE-4450-8760-7E90B11A1BC7}" type="datetimeFigureOut">
               <a:rPr kumimoji="1" lang="ja-JP" altLang="en-US" smtClean="0"/>
-              <a:t>2014/5/26</a:t>
+              <a:t>2014/6/2</a:t>
             </a:fld>
             <a:endParaRPr kumimoji="1" lang="ja-JP" altLang="en-US"/>
           </a:p>
@@ -11648,7 +11648,7 @@
           <a:p>
             <a:fld id="{E27B3FCC-F9CE-4450-8760-7E90B11A1BC7}" type="datetimeFigureOut">
               <a:rPr kumimoji="1" lang="ja-JP" altLang="en-US" smtClean="0"/>
-              <a:t>2014/5/26</a:t>
+              <a:t>2014/6/2</a:t>
             </a:fld>
             <a:endParaRPr kumimoji="1" lang="ja-JP" altLang="en-US"/>
           </a:p>
@@ -11887,7 +11887,7 @@
           <a:p>
             <a:fld id="{E27B3FCC-F9CE-4450-8760-7E90B11A1BC7}" type="datetimeFigureOut">
               <a:rPr kumimoji="1" lang="ja-JP" altLang="en-US" smtClean="0"/>
-              <a:t>2014/5/26</a:t>
+              <a:t>2014/6/2</a:t>
             </a:fld>
             <a:endParaRPr kumimoji="1" lang="ja-JP" altLang="en-US"/>
           </a:p>
@@ -11977,7 +11977,7 @@
           <a:p>
             <a:fld id="{E27B3FCC-F9CE-4450-8760-7E90B11A1BC7}" type="datetimeFigureOut">
               <a:rPr kumimoji="1" lang="ja-JP" altLang="en-US" smtClean="0"/>
-              <a:t>2014/5/26</a:t>
+              <a:t>2014/6/2</a:t>
             </a:fld>
             <a:endParaRPr kumimoji="1" lang="ja-JP" altLang="en-US"/>
           </a:p>
@@ -12415,7 +12415,7 @@
           <a:p>
             <a:fld id="{E27B3FCC-F9CE-4450-8760-7E90B11A1BC7}" type="datetimeFigureOut">
               <a:rPr kumimoji="1" lang="ja-JP" altLang="en-US" smtClean="0"/>
-              <a:t>2014/5/26</a:t>
+              <a:t>2014/6/2</a:t>
             </a:fld>
             <a:endParaRPr kumimoji="1" lang="ja-JP" altLang="en-US"/>
           </a:p>
@@ -12734,7 +12734,7 @@
           <a:p>
             <a:fld id="{E27B3FCC-F9CE-4450-8760-7E90B11A1BC7}" type="datetimeFigureOut">
               <a:rPr kumimoji="1" lang="ja-JP" altLang="en-US" smtClean="0"/>
-              <a:t>2014/5/26</a:t>
+              <a:t>2014/6/2</a:t>
             </a:fld>
             <a:endParaRPr kumimoji="1" lang="ja-JP" altLang="en-US"/>
           </a:p>
@@ -12824,7 +12824,7 @@
           <a:p>
             <a:fld id="{E27B3FCC-F9CE-4450-8760-7E90B11A1BC7}" type="datetimeFigureOut">
               <a:rPr kumimoji="1" lang="ja-JP" altLang="en-US" smtClean="0"/>
-              <a:t>2014/5/26</a:t>
+              <a:t>2014/6/2</a:t>
             </a:fld>
             <a:endParaRPr kumimoji="1" lang="ja-JP" altLang="en-US"/>
           </a:p>
@@ -13130,7 +13130,7 @@
           <a:p>
             <a:fld id="{E27B3FCC-F9CE-4450-8760-7E90B11A1BC7}" type="datetimeFigureOut">
               <a:rPr kumimoji="1" lang="ja-JP" altLang="en-US" smtClean="0"/>
-              <a:t>2014/5/26</a:t>
+              <a:t>2014/6/2</a:t>
             </a:fld>
             <a:endParaRPr kumimoji="1" lang="ja-JP" altLang="en-US"/>
           </a:p>
@@ -13400,7 +13400,7 @@
           <a:p>
             <a:fld id="{E27B3FCC-F9CE-4450-8760-7E90B11A1BC7}" type="datetimeFigureOut">
               <a:rPr kumimoji="1" lang="ja-JP" altLang="en-US" smtClean="0"/>
-              <a:t>2014/5/26</a:t>
+              <a:t>2014/6/2</a:t>
             </a:fld>
             <a:endParaRPr kumimoji="1" lang="ja-JP" altLang="en-US"/>
           </a:p>
@@ -13745,7 +13745,7 @@
           <a:p>
             <a:fld id="{E27B3FCC-F9CE-4450-8760-7E90B11A1BC7}" type="datetimeFigureOut">
               <a:rPr kumimoji="1" lang="ja-JP" altLang="en-US" smtClean="0"/>
-              <a:t>2014/5/26</a:t>
+              <a:t>2014/6/2</a:t>
             </a:fld>
             <a:endParaRPr kumimoji="1" lang="ja-JP" altLang="en-US"/>
           </a:p>
@@ -14349,6 +14349,13 @@
   <p:clrMapOvr>
     <a:masterClrMapping/>
   </p:clrMapOvr>
+  <p:timing>
+    <p:tnLst>
+      <p:par>
+        <p:cTn id="1" dur="indefinite" restart="never" nodeType="tmRoot"/>
+      </p:par>
+    </p:tnLst>
+  </p:timing>
 </p:sld>
 </file>
 
@@ -14492,6 +14499,13 @@
   <p:clrMapOvr>
     <a:masterClrMapping/>
   </p:clrMapOvr>
+  <p:timing>
+    <p:tnLst>
+      <p:par>
+        <p:cTn id="1" dur="indefinite" restart="never" nodeType="tmRoot"/>
+      </p:par>
+    </p:tnLst>
+  </p:timing>
 </p:sld>
 </file>
 
@@ -14585,6 +14599,13 @@
   <p:clrMapOvr>
     <a:masterClrMapping/>
   </p:clrMapOvr>
+  <p:timing>
+    <p:tnLst>
+      <p:par>
+        <p:cTn id="1" dur="indefinite" restart="never" nodeType="tmRoot"/>
+      </p:par>
+    </p:tnLst>
+  </p:timing>
 </p:sld>
 </file>
 
@@ -14898,6 +14919,13 @@
   <p:clrMapOvr>
     <a:masterClrMapping/>
   </p:clrMapOvr>
+  <p:timing>
+    <p:tnLst>
+      <p:par>
+        <p:cTn id="1" dur="indefinite" restart="never" nodeType="tmRoot"/>
+      </p:par>
+    </p:tnLst>
+  </p:timing>
 </p:sld>
 </file>
 
@@ -15083,6 +15111,13 @@
   <p:clrMapOvr>
     <a:masterClrMapping/>
   </p:clrMapOvr>
+  <p:timing>
+    <p:tnLst>
+      <p:par>
+        <p:cTn id="1" dur="indefinite" restart="never" nodeType="tmRoot"/>
+      </p:par>
+    </p:tnLst>
+  </p:timing>
 </p:sld>
 </file>
 
@@ -15170,6 +15205,13 @@
   <p:clrMapOvr>
     <a:masterClrMapping/>
   </p:clrMapOvr>
+  <p:timing>
+    <p:tnLst>
+      <p:par>
+        <p:cTn id="1" dur="indefinite" restart="never" nodeType="tmRoot"/>
+      </p:par>
+    </p:tnLst>
+  </p:timing>
 </p:sld>
 </file>
 
@@ -15255,6 +15297,70 @@
           </a:p>
         </p:txBody>
       </p:sp>
+      <p:pic>
+        <p:nvPicPr>
+          <p:cNvPr id="1026" name="Picture 2"/>
+          <p:cNvPicPr>
+            <a:picLocks noChangeAspect="1" noChangeArrowheads="1"/>
+          </p:cNvPicPr>
+          <p:nvPr/>
+        </p:nvPicPr>
+        <p:blipFill>
+          <a:blip r:embed="rId2">
+            <a:extLst>
+              <a:ext uri="{28A0092B-C50C-407E-A947-70E740481C1C}">
+                <a14:useLocalDpi xmlns:a14="http://schemas.microsoft.com/office/drawing/2010/main" val="0"/>
+              </a:ext>
+            </a:extLst>
+          </a:blip>
+          <a:srcRect/>
+          <a:stretch>
+            <a:fillRect/>
+          </a:stretch>
+        </p:blipFill>
+        <p:spPr bwMode="auto">
+          <a:xfrm>
+            <a:off x="3635896" y="3972029"/>
+            <a:ext cx="1581150" cy="1219200"/>
+          </a:xfrm>
+          <a:prstGeom prst="rect">
+            <a:avLst/>
+          </a:prstGeom>
+          <a:noFill/>
+          <a:ln>
+            <a:noFill/>
+          </a:ln>
+          <a:effectLst/>
+          <a:extLst>
+            <a:ext uri="{909E8E84-426E-40DD-AFC4-6F175D3DCCD1}">
+              <a14:hiddenFill xmlns:a14="http://schemas.microsoft.com/office/drawing/2010/main">
+                <a:solidFill>
+                  <a:schemeClr val="accent1"/>
+                </a:solidFill>
+              </a14:hiddenFill>
+            </a:ext>
+            <a:ext uri="{91240B29-F687-4F45-9708-019B960494DF}">
+              <a14:hiddenLine xmlns:a14="http://schemas.microsoft.com/office/drawing/2010/main" w="9525">
+                <a:solidFill>
+                  <a:schemeClr val="tx1"/>
+                </a:solidFill>
+                <a:miter lim="800000"/>
+                <a:headEnd/>
+                <a:tailEnd/>
+              </a14:hiddenLine>
+            </a:ext>
+            <a:ext uri="{AF507438-7753-43E0-B8FC-AC1667EBCBE1}">
+              <a14:hiddenEffects xmlns:a14="http://schemas.microsoft.com/office/drawing/2010/main">
+                <a:effectLst>
+                  <a:outerShdw dist="35921" dir="2700000" algn="ctr" rotWithShape="0">
+                    <a:schemeClr val="bg2"/>
+                  </a:outerShdw>
+                </a:effectLst>
+              </a14:hiddenEffects>
+            </a:ext>
+          </a:extLst>
+        </p:spPr>
+      </p:pic>
     </p:spTree>
     <p:extLst>
       <p:ext uri="{BB962C8B-B14F-4D97-AF65-F5344CB8AC3E}">
@@ -15265,6 +15371,13 @@
   <p:clrMapOvr>
     <a:masterClrMapping/>
   </p:clrMapOvr>
+  <p:timing>
+    <p:tnLst>
+      <p:par>
+        <p:cTn id="1" dur="indefinite" restart="never" nodeType="tmRoot"/>
+      </p:par>
+    </p:tnLst>
+  </p:timing>
 </p:sld>
 </file>
 
@@ -15470,15 +15583,23 @@
             </a:r>
             <a:r>
               <a:rPr lang="ja-JP" altLang="en-US" dirty="0"/>
-              <a:t>ボックスに「</a:t>
-            </a:r>
-            <a:r>
-              <a:rPr lang="en-US" altLang="ja-JP" dirty="0"/>
-              <a:t>Calculation</a:t>
+              <a:t>ボックスに</a:t>
+            </a:r>
+            <a:r>
+              <a:rPr lang="ja-JP" altLang="en-US" dirty="0" smtClean="0"/>
+              <a:t>「</a:t>
+            </a:r>
+            <a:r>
+              <a:rPr lang="en-US" altLang="ja-JP" dirty="0" err="1"/>
+              <a:t>HelloProject</a:t>
+            </a:r>
+            <a:r>
+              <a:rPr lang="ja-JP" altLang="en-US" dirty="0" smtClean="0"/>
+              <a:t>」</a:t>
             </a:r>
             <a:r>
               <a:rPr lang="ja-JP" altLang="en-US" dirty="0"/>
-              <a:t>」と入力し、</a:t>
+              <a:t>と入力し、</a:t>
             </a:r>
             <a:r>
               <a:rPr lang="en-US" altLang="ja-JP" dirty="0"/>
@@ -15495,12 +15616,16 @@
               <a:t>新しい </a:t>
             </a:r>
             <a:r>
-              <a:rPr lang="en-US" altLang="ja-JP" dirty="0"/>
-              <a:t>Calculation</a:t>
+              <a:rPr lang="en-US" altLang="ja-JP" dirty="0" err="1"/>
+              <a:t>HelloProject</a:t>
+            </a:r>
+            <a:r>
+              <a:rPr lang="ja-JP" altLang="en-US" dirty="0" smtClean="0"/>
+              <a:t>プロジェクト</a:t>
             </a:r>
             <a:r>
               <a:rPr lang="ja-JP" altLang="en-US" dirty="0"/>
-              <a:t>プロジェクトが作成され、コード エディターに </a:t>
+              <a:t>が作成され、コード エディターに </a:t>
             </a:r>
             <a:r>
               <a:rPr lang="en-US" altLang="ja-JP" dirty="0"/>
@@ -15518,11 +15643,19 @@
             </a:r>
             <a:r>
               <a:rPr lang="ja-JP" altLang="en-US" dirty="0"/>
-              <a:t>のファイル名を</a:t>
+              <a:t>のファイル名</a:t>
+            </a:r>
+            <a:r>
+              <a:rPr lang="ja-JP" altLang="en-US" dirty="0" smtClean="0"/>
+              <a:t>を</a:t>
             </a:r>
             <a:r>
               <a:rPr lang="en-US" altLang="ja-JP" dirty="0" err="1"/>
-              <a:t>MyMath.cs</a:t>
+              <a:t>Hello</a:t>
+            </a:r>
+            <a:r>
+              <a:rPr lang="en-US" altLang="ja-JP" dirty="0" err="1" smtClean="0"/>
+              <a:t>.cs</a:t>
             </a:r>
             <a:r>
               <a:rPr lang="ja-JP" altLang="en-US" dirty="0"/>
@@ -15578,6 +15711,13 @@
   <p:clrMapOvr>
     <a:masterClrMapping/>
   </p:clrMapOvr>
+  <p:timing>
+    <p:tnLst>
+      <p:par>
+        <p:cTn id="1" dur="indefinite" restart="never" nodeType="tmRoot"/>
+      </p:par>
+    </p:tnLst>
+  </p:timing>
 </p:sld>
 </file>
 
@@ -15779,11 +15919,11 @@
               <a:t> </a:t>
             </a:r>
             <a:r>
-              <a:rPr lang="en-US" altLang="ja-JP" dirty="0" err="1"/>
-              <a:t>CalculationTests</a:t>
-            </a:r>
-            <a:r>
-              <a:rPr lang="en-US" altLang="ja-JP" dirty="0"/>
+              <a:rPr lang="en-US" altLang="ja-JP" dirty="0" err="1" smtClean="0"/>
+              <a:t>HelloProjectTests</a:t>
+            </a:r>
+            <a:r>
+              <a:rPr lang="en-US" altLang="ja-JP" dirty="0" smtClean="0"/>
               <a:t> </a:t>
             </a:r>
             <a:r>
@@ -15805,8 +15945,26 @@
               <a:t>[</a:t>
             </a:r>
             <a:r>
+              <a:rPr lang="en-US" altLang="ja-JP" dirty="0" err="1" smtClean="0"/>
+              <a:t>HelloProjectTests</a:t>
+            </a:r>
+            <a:r>
+              <a:rPr lang="en-US" altLang="ja-JP" dirty="0" smtClean="0"/>
+              <a:t>] </a:t>
+            </a:r>
+            <a:r>
+              <a:rPr lang="ja-JP" altLang="en-US" dirty="0"/>
+              <a:t>のプロジェクトは ソリューションに追加される</a:t>
+            </a:r>
+          </a:p>
+          <a:p>
+            <a:r>
+              <a:rPr lang="en-US" altLang="ja-JP" dirty="0"/>
+              <a:t>[</a:t>
+            </a:r>
+            <a:r>
               <a:rPr lang="en-US" altLang="ja-JP" dirty="0" err="1"/>
-              <a:t>CalculationTests</a:t>
+              <a:t>HelloProjectTests</a:t>
             </a:r>
             <a:r>
               <a:rPr lang="en-US" altLang="ja-JP" dirty="0"/>
@@ -15814,17 +15972,37 @@
             </a:r>
             <a:r>
               <a:rPr lang="ja-JP" altLang="en-US" dirty="0"/>
-              <a:t>のプロジェクトは ソリューションに追加される</a:t>
-            </a:r>
-          </a:p>
-          <a:p>
+              <a:t>のプロジェクトで、</a:t>
+            </a:r>
             <a:r>
               <a:rPr lang="en-US" altLang="ja-JP" dirty="0"/>
               <a:t>[</a:t>
             </a:r>
             <a:r>
+              <a:rPr lang="en-US" altLang="ja-JP" dirty="0" err="1" smtClean="0"/>
+              <a:t>HelloProject</a:t>
+            </a:r>
+            <a:r>
+              <a:rPr lang="en-US" altLang="ja-JP" dirty="0" smtClean="0"/>
+              <a:t>] </a:t>
+            </a:r>
+            <a:r>
+              <a:rPr lang="ja-JP" altLang="en-US" dirty="0"/>
+              <a:t>の参照を追加する</a:t>
+            </a:r>
+          </a:p>
+          <a:p>
+            <a:r>
+              <a:rPr lang="ja-JP" altLang="en-US" dirty="0"/>
+              <a:t>ソリューション エクスプローラーで、</a:t>
+            </a:r>
+            <a:r>
+              <a:rPr lang="en-US" altLang="ja-JP" dirty="0"/>
+              <a:t>[</a:t>
+            </a:r>
+            <a:r>
               <a:rPr lang="en-US" altLang="ja-JP" dirty="0" err="1"/>
-              <a:t>CalculationTests</a:t>
+              <a:t>HelloProjectTests</a:t>
             </a:r>
             <a:r>
               <a:rPr lang="en-US" altLang="ja-JP" dirty="0"/>
@@ -15832,29 +16010,49 @@
             </a:r>
             <a:r>
               <a:rPr lang="ja-JP" altLang="en-US" dirty="0"/>
-              <a:t>のプロジェクトで、</a:t>
-            </a:r>
-            <a:r>
-              <a:rPr lang="en-US" altLang="ja-JP" dirty="0"/>
-              <a:t>[Calculation] </a:t>
-            </a:r>
-            <a:r>
-              <a:rPr lang="ja-JP" altLang="en-US" dirty="0"/>
-              <a:t>の参照を追加する</a:t>
-            </a:r>
-          </a:p>
-          <a:p>
-            <a:r>
-              <a:rPr lang="ja-JP" altLang="en-US" dirty="0"/>
-              <a:t>ソリューション エクスプローラーで、</a:t>
+              <a:t>のコンテキスト メニューで </a:t>
             </a:r>
             <a:r>
               <a:rPr lang="en-US" altLang="ja-JP" dirty="0"/>
               <a:t>[</a:t>
             </a:r>
             <a:r>
-              <a:rPr lang="en-US" altLang="ja-JP" dirty="0" err="1"/>
-              <a:t>CalculationTests</a:t>
+              <a:rPr lang="ja-JP" altLang="en-US" dirty="0"/>
+              <a:t>参照の追加</a:t>
+            </a:r>
+            <a:r>
+              <a:rPr lang="en-US" altLang="ja-JP" dirty="0"/>
+              <a:t>...] </a:t>
+            </a:r>
+            <a:r>
+              <a:rPr lang="ja-JP" altLang="en-US" dirty="0"/>
+              <a:t>を選択する</a:t>
+            </a:r>
+          </a:p>
+          <a:p>
+            <a:r>
+              <a:rPr lang="en-US" altLang="ja-JP" dirty="0"/>
+              <a:t>[</a:t>
+            </a:r>
+            <a:r>
+              <a:rPr lang="ja-JP" altLang="en-US" dirty="0"/>
+              <a:t>参照マネージャー</a:t>
+            </a:r>
+            <a:r>
+              <a:rPr lang="en-US" altLang="ja-JP" dirty="0"/>
+              <a:t>]</a:t>
+            </a:r>
+            <a:r>
+              <a:rPr lang="ja-JP" altLang="en-US" dirty="0"/>
+              <a:t>ダイアログ ボックスで、</a:t>
+            </a:r>
+            <a:r>
+              <a:rPr lang="en-US" altLang="ja-JP" dirty="0"/>
+              <a:t>[</a:t>
+            </a:r>
+            <a:r>
+              <a:rPr lang="ja-JP" altLang="en-US" dirty="0"/>
+              <a:t>ソリューション</a:t>
             </a:r>
             <a:r>
               <a:rPr lang="en-US" altLang="ja-JP" dirty="0"/>
@@ -15862,61 +16060,19 @@
             </a:r>
             <a:r>
               <a:rPr lang="ja-JP" altLang="en-US" dirty="0"/>
-              <a:t>のコンテキスト メニューで </a:t>
+              <a:t>を展開し、</a:t>
             </a:r>
             <a:r>
               <a:rPr lang="en-US" altLang="ja-JP" dirty="0"/>
               <a:t>[</a:t>
             </a:r>
             <a:r>
-              <a:rPr lang="ja-JP" altLang="en-US" dirty="0"/>
-              <a:t>参照の追加</a:t>
-            </a:r>
-            <a:r>
-              <a:rPr lang="en-US" altLang="ja-JP" dirty="0"/>
-              <a:t>...] </a:t>
-            </a:r>
-            <a:r>
-              <a:rPr lang="ja-JP" altLang="en-US" dirty="0"/>
-              <a:t>を選択する</a:t>
-            </a:r>
-          </a:p>
-          <a:p>
-            <a:r>
-              <a:rPr lang="en-US" altLang="ja-JP" dirty="0"/>
-              <a:t>[</a:t>
-            </a:r>
-            <a:r>
-              <a:rPr lang="ja-JP" altLang="en-US" dirty="0"/>
-              <a:t>参照マネージャー</a:t>
-            </a:r>
-            <a:r>
-              <a:rPr lang="en-US" altLang="ja-JP" dirty="0"/>
-              <a:t>]</a:t>
-            </a:r>
-            <a:r>
-              <a:rPr lang="ja-JP" altLang="en-US" dirty="0"/>
-              <a:t>ダイアログ ボックスで、</a:t>
-            </a:r>
-            <a:r>
-              <a:rPr lang="en-US" altLang="ja-JP" dirty="0"/>
-              <a:t>[</a:t>
-            </a:r>
-            <a:r>
-              <a:rPr lang="ja-JP" altLang="en-US" dirty="0"/>
-              <a:t>ソリューション</a:t>
+              <a:rPr lang="en-US" altLang="ja-JP" dirty="0" err="1"/>
+              <a:t>HelloProject</a:t>
             </a:r>
             <a:r>
               <a:rPr lang="en-US" altLang="ja-JP" dirty="0"/>
               <a:t>] </a:t>
-            </a:r>
-            <a:r>
-              <a:rPr lang="ja-JP" altLang="en-US" dirty="0"/>
-              <a:t>を展開し、</a:t>
-            </a:r>
-            <a:r>
-              <a:rPr lang="en-US" altLang="ja-JP" dirty="0"/>
-              <a:t>[Calculation] </a:t>
             </a:r>
             <a:r>
               <a:rPr lang="ja-JP" altLang="en-US" dirty="0"/>
@@ -15938,6 +16094,13 @@
   <p:clrMapOvr>
     <a:masterClrMapping/>
   </p:clrMapOvr>
+  <p:timing>
+    <p:tnLst>
+      <p:par>
+        <p:cTn id="1" dur="indefinite" restart="never" nodeType="tmRoot"/>
+      </p:par>
+    </p:tnLst>
+  </p:timing>
 </p:sld>
 </file>
 
@@ -16010,6 +16173,13 @@
   <p:clrMapOvr>
     <a:masterClrMapping/>
   </p:clrMapOvr>
+  <p:timing>
+    <p:tnLst>
+      <p:par>
+        <p:cTn id="1" dur="indefinite" restart="never" nodeType="tmRoot"/>
+      </p:par>
+    </p:tnLst>
+  </p:timing>
 </p:sld>
 </file>
 
@@ -16326,6 +16496,13 @@
   <p:clrMapOvr>
     <a:masterClrMapping/>
   </p:clrMapOvr>
+  <p:timing>
+    <p:tnLst>
+      <p:par>
+        <p:cTn id="1" dur="indefinite" restart="never" nodeType="tmRoot"/>
+      </p:par>
+    </p:tnLst>
+  </p:timing>
 </p:sld>
 </file>
 
@@ -16457,6 +16634,13 @@
   <p:clrMapOvr>
     <a:masterClrMapping/>
   </p:clrMapOvr>
+  <p:timing>
+    <p:tnLst>
+      <p:par>
+        <p:cTn id="1" dur="indefinite" restart="never" nodeType="tmRoot"/>
+      </p:par>
+    </p:tnLst>
+  </p:timing>
 </p:sld>
 </file>
 
@@ -16561,6 +16745,13 @@
   <p:clrMapOvr>
     <a:masterClrMapping/>
   </p:clrMapOvr>
+  <p:timing>
+    <p:tnLst>
+      <p:par>
+        <p:cTn id="1" dur="indefinite" restart="never" nodeType="tmRoot"/>
+      </p:par>
+    </p:tnLst>
+  </p:timing>
 </p:sld>
 </file>
 
@@ -16676,6 +16867,13 @@
   <p:clrMapOvr>
     <a:masterClrMapping/>
   </p:clrMapOvr>
+  <p:timing>
+    <p:tnLst>
+      <p:par>
+        <p:cTn id="1" dur="indefinite" restart="never" nodeType="tmRoot"/>
+      </p:par>
+    </p:tnLst>
+  </p:timing>
 </p:sld>
 </file>
 
@@ -16736,11 +16934,7 @@
           <a:p>
             <a:r>
               <a:rPr kumimoji="1" lang="en-US" altLang="ja-JP" dirty="0" smtClean="0"/>
-              <a:t>Hello World </a:t>
-            </a:r>
-            <a:r>
-              <a:rPr kumimoji="1" lang="en-US" altLang="ja-JP" dirty="0" smtClean="0"/>
-              <a:t>(</a:t>
+              <a:t>Hello World (</a:t>
             </a:r>
             <a:r>
               <a:rPr lang="ja-JP" altLang="en-US" dirty="0" smtClean="0"/>
@@ -16754,16 +16948,11 @@
               <a:rPr kumimoji="1" lang="en-US" altLang="ja-JP" dirty="0" smtClean="0"/>
               <a:t>)</a:t>
             </a:r>
-            <a:endParaRPr kumimoji="1" lang="en-US" altLang="ja-JP" dirty="0" smtClean="0"/>
           </a:p>
           <a:p>
             <a:r>
               <a:rPr kumimoji="1" lang="en-US" altLang="ja-JP" dirty="0" smtClean="0"/>
-              <a:t>Add </a:t>
-            </a:r>
-            <a:r>
-              <a:rPr kumimoji="1" lang="en-US" altLang="ja-JP" dirty="0" smtClean="0"/>
-              <a:t>(</a:t>
+              <a:t>Add (</a:t>
             </a:r>
             <a:r>
               <a:rPr lang="ja-JP" altLang="en-US" dirty="0"/>
@@ -16796,11 +16985,7 @@
           <a:p>
             <a:r>
               <a:rPr kumimoji="1" lang="en-US" altLang="ja-JP" dirty="0" smtClean="0"/>
-              <a:t>Range </a:t>
-            </a:r>
-            <a:r>
-              <a:rPr kumimoji="1" lang="en-US" altLang="ja-JP" dirty="0" smtClean="0"/>
-              <a:t>(</a:t>
+              <a:t>Range (</a:t>
             </a:r>
             <a:r>
               <a:rPr kumimoji="1" lang="ja-JP" altLang="en-US" dirty="0" smtClean="0"/>
@@ -16810,7 +16995,6 @@
               <a:rPr kumimoji="1" lang="en-US" altLang="ja-JP" dirty="0" smtClean="0"/>
               <a:t>)</a:t>
             </a:r>
-            <a:endParaRPr kumimoji="1" lang="en-US" altLang="ja-JP" dirty="0" smtClean="0"/>
           </a:p>
           <a:p>
             <a:endParaRPr kumimoji="1" lang="ja-JP" altLang="en-US" dirty="0"/>
@@ -16827,6 +17011,13 @@
   <p:clrMapOvr>
     <a:masterClrMapping/>
   </p:clrMapOvr>
+  <p:timing>
+    <p:tnLst>
+      <p:par>
+        <p:cTn id="1" dur="indefinite" restart="never" nodeType="tmRoot"/>
+      </p:par>
+    </p:tnLst>
+  </p:timing>
 </p:sld>
 </file>
 
@@ -16964,6 +17155,13 @@
   <p:clrMapOvr>
     <a:masterClrMapping/>
   </p:clrMapOvr>
+  <p:timing>
+    <p:tnLst>
+      <p:par>
+        <p:cTn id="1" dur="indefinite" restart="never" nodeType="tmRoot"/>
+      </p:par>
+    </p:tnLst>
+  </p:timing>
 </p:sld>
 </file>
 
@@ -17036,6 +17234,13 @@
   <p:clrMapOvr>
     <a:masterClrMapping/>
   </p:clrMapOvr>
+  <p:timing>
+    <p:tnLst>
+      <p:par>
+        <p:cTn id="1" dur="indefinite" restart="never" nodeType="tmRoot"/>
+      </p:par>
+    </p:tnLst>
+  </p:timing>
 </p:sld>
 </file>
 
@@ -17152,6 +17357,13 @@
   <p:clrMapOvr>
     <a:masterClrMapping/>
   </p:clrMapOvr>
+  <p:timing>
+    <p:tnLst>
+      <p:par>
+        <p:cTn id="1" dur="indefinite" restart="never" nodeType="tmRoot"/>
+      </p:par>
+    </p:tnLst>
+  </p:timing>
 </p:sld>
 </file>
 
@@ -20838,15 +21050,7 @@
           <a:p>
             <a:r>
               <a:rPr lang="ja-JP" altLang="en-US" dirty="0" smtClean="0"/>
-              <a:t>スタブ</a:t>
-            </a:r>
-            <a:r>
-              <a:rPr lang="ja-JP" altLang="en-US" dirty="0" smtClean="0"/>
-              <a:t>と</a:t>
-            </a:r>
-            <a:r>
-              <a:rPr lang="ja-JP" altLang="en-US" dirty="0" smtClean="0"/>
-              <a:t>モック</a:t>
+              <a:t>スタブとモック</a:t>
             </a:r>
             <a:endParaRPr lang="en-US" altLang="ja-JP" dirty="0" smtClean="0"/>
           </a:p>
@@ -23957,6 +24161,13 @@
   <p:clrMapOvr>
     <a:masterClrMapping/>
   </p:clrMapOvr>
+  <p:timing>
+    <p:tnLst>
+      <p:par>
+        <p:cTn id="1" dur="indefinite" restart="never" nodeType="tmRoot"/>
+      </p:par>
+    </p:tnLst>
+  </p:timing>
 </p:sld>
 </file>
 
@@ -24029,6 +24240,13 @@
   <p:clrMapOvr>
     <a:masterClrMapping/>
   </p:clrMapOvr>
+  <p:timing>
+    <p:tnLst>
+      <p:par>
+        <p:cTn id="1" dur="indefinite" restart="never" nodeType="tmRoot"/>
+      </p:par>
+    </p:tnLst>
+  </p:timing>
 </p:sld>
 </file>
 
@@ -24252,6 +24470,13 @@
   <p:clrMapOvr>
     <a:masterClrMapping/>
   </p:clrMapOvr>
+  <p:timing>
+    <p:tnLst>
+      <p:par>
+        <p:cTn id="1" dur="indefinite" restart="never" nodeType="tmRoot"/>
+      </p:par>
+    </p:tnLst>
+  </p:timing>
 </p:sld>
 </file>
 
@@ -24324,6 +24549,13 @@
   <p:clrMapOvr>
     <a:masterClrMapping/>
   </p:clrMapOvr>
+  <p:timing>
+    <p:tnLst>
+      <p:par>
+        <p:cTn id="1" dur="indefinite" restart="never" nodeType="tmRoot"/>
+      </p:par>
+    </p:tnLst>
+  </p:timing>
 </p:sld>
 </file>
 
@@ -24472,6 +24704,13 @@
   <p:clrMapOvr>
     <a:masterClrMapping/>
   </p:clrMapOvr>
+  <p:timing>
+    <p:tnLst>
+      <p:par>
+        <p:cTn id="1" dur="indefinite" restart="never" nodeType="tmRoot"/>
+      </p:par>
+    </p:tnLst>
+  </p:timing>
 </p:sld>
 </file>
 
